--- a/lectures/Lecture01/Lecture01.pptx
+++ b/lectures/Lecture01/Lecture01.pptx
@@ -847,7 +847,7 @@
           <a:bodyPr/>
           <a:lstStyle/>
           <a:p>
-            <a:endParaRPr lang="en-GB"/>
+            <a:endParaRPr lang="en-GB" dirty="0"/>
           </a:p>
         </p:txBody>
       </p:sp>
@@ -2163,7 +2163,43 @@
                 <a:ea typeface="+mn-ea"/>
                 <a:cs typeface="+mn-cs"/>
               </a:rPr>
-              <a:t>Lexical analysis is the first stage of language processing that “touches” the input at character level. Recognition of tokens, which are the indivisible elements of the language grammar, happens at the lexical analysis phase. The layer that performs the lexical analysis, the lexical analyzer, while having no idea about the general syntactic rules of the language, generates the vital input to the syntactical analysis phase.</a:t>
+              <a:t>Lexical analysis is the first stage of language processing that “touches” the input at character level. Recognition of tokens, which are the indivisible elements of the language grammar, happens at the lexical analysis phase. The layer that performs the lexical analysis, the lexical analyzer, while having no idea about the general syntactic rules of the language, generates the vital input to </a:t>
+            </a:r>
+            <a:r>
+              <a:rPr lang="en-US" sz="1200" kern="1200" smtClean="0">
+                <a:solidFill>
+                  <a:schemeClr val="tx1"/>
+                </a:solidFill>
+                <a:effectLst/>
+                <a:latin typeface="Arial" panose="020B0604020202020204" pitchFamily="34" charset="0"/>
+                <a:ea typeface="+mn-ea"/>
+                <a:cs typeface="+mn-cs"/>
+              </a:rPr>
+              <a:t>the </a:t>
+            </a:r>
+            <a:r>
+              <a:rPr lang="en-US" sz="1200" kern="1200" smtClean="0">
+                <a:solidFill>
+                  <a:schemeClr val="tx1"/>
+                </a:solidFill>
+                <a:effectLst/>
+                <a:latin typeface="Arial" panose="020B0604020202020204" pitchFamily="34" charset="0"/>
+                <a:ea typeface="+mn-ea"/>
+                <a:cs typeface="+mn-cs"/>
+              </a:rPr>
+              <a:t>syntactic </a:t>
+            </a:r>
+            <a:r>
+              <a:rPr lang="en-US" sz="1200" kern="1200" dirty="0" smtClean="0">
+                <a:solidFill>
+                  <a:schemeClr val="tx1"/>
+                </a:solidFill>
+                <a:effectLst/>
+                <a:latin typeface="Arial" panose="020B0604020202020204" pitchFamily="34" charset="0"/>
+                <a:ea typeface="+mn-ea"/>
+                <a:cs typeface="+mn-cs"/>
+              </a:rPr>
+              <a:t>analysis phase.</a:t>
             </a:r>
             <a:endParaRPr lang="tr-TR" sz="1200" kern="1200" dirty="0" smtClean="0">
               <a:solidFill>
@@ -3102,11 +3138,7 @@
             </a:r>
             <a:r>
               <a:rPr lang="en-US" smtClean="0"/>
-              <a:t>was </a:t>
-            </a:r>
-            <a:r>
-              <a:rPr lang="en-US" smtClean="0"/>
-              <a:t>understood</a:t>
+              <a:t>was understood</a:t>
             </a:r>
             <a:r>
               <a:rPr lang="en-US" dirty="0" smtClean="0"/>
@@ -11499,7 +11531,7 @@
         <p:spPr>
           <a:xfrm>
             <a:off x="1042988" y="1981200"/>
-            <a:ext cx="2407454" cy="369332"/>
+            <a:ext cx="2215094" cy="369332"/>
           </a:xfrm>
           <a:prstGeom prst="rect">
             <a:avLst/>
@@ -11514,7 +11546,11 @@
           <a:p>
             <a:r>
               <a:rPr lang="en-US" dirty="0" smtClean="0"/>
-              <a:t>Syntactical Analysis</a:t>
+              <a:t>Syntactic </a:t>
+            </a:r>
+            <a:r>
+              <a:rPr lang="en-US" dirty="0" smtClean="0"/>
+              <a:t>Analysis</a:t>
             </a:r>
             <a:endParaRPr lang="en-GB" dirty="0"/>
           </a:p>
